--- a/14-jQueryUI-Plugins-AJAX/14-jQueryUI-Plugins-AJAX.pptx
+++ b/14-jQueryUI-Plugins-AJAX/14-jQueryUI-Plugins-AJAX.pptx
@@ -1960,7 +1960,7 @@
         <p:spPr>
           <a:xfrm>
             <a:off x="1371600" y="1143000"/>
-            <a:ext cx="4114800" cy="3086099"/>
+            <a:ext cx="4114800" cy="3086100"/>
           </a:xfrm>
           <a:custGeom>
             <a:avLst/>
@@ -15867,13 +15867,18 @@
               <a:buNone/>
             </a:pPr>
             <a:r>
-              <a:rPr lang="en-US" sz="3000">
+              <a:rPr lang="en-US" sz="3000" dirty="0" err="1">
                 <a:solidFill>
                   <a:schemeClr val="accent6"/>
                 </a:solidFill>
               </a:rPr>
               <a:t>Задачи</a:t>
             </a:r>
+            <a:endParaRPr lang="en-US" sz="3000" dirty="0">
+              <a:solidFill>
+                <a:schemeClr val="accent6"/>
+              </a:solidFill>
+            </a:endParaRPr>
           </a:p>
         </p:txBody>
       </p:sp>
@@ -15906,7 +15911,7 @@
           </a:bodyPr>
           <a:lstStyle/>
           <a:p>
-            <a:pPr marL="0" marR="0" lvl="0" indent="0" algn="l" rtl="0">
+            <a:pPr marL="0" lvl="0" indent="0">
               <a:spcBef>
                 <a:spcPts val="500"/>
               </a:spcBef>
@@ -15914,184 +15919,175 @@
                 <a:schemeClr val="lt1"/>
               </a:buClr>
               <a:buSzPct val="25000"/>
-              <a:buFont typeface="Arial"/>
               <a:buNone/>
             </a:pPr>
             <a:r>
-              <a:rPr lang="en-US" sz="2500">
+              <a:rPr lang="bg-BG" sz="2500" dirty="0" smtClean="0">
                 <a:solidFill>
                   <a:schemeClr val="lt1"/>
                 </a:solidFill>
               </a:rPr>
-              <a:t>Създайте страница с бутон “Kittify” (или “Pussify”), който при натискане зарежда json с който да създаде динамично списък с картинки на котета. </a:t>
-            </a:r>
-          </a:p>
-          <a:p>
-            <a:pPr marL="0" marR="0" lvl="0" indent="0" algn="l" rtl="0">
-              <a:spcBef>
-                <a:spcPts val="500"/>
-              </a:spcBef>
-              <a:buClr>
-                <a:schemeClr val="lt1"/>
-              </a:buClr>
-              <a:buSzPct val="25000"/>
-              <a:buFont typeface="Arial"/>
-              <a:buNone/>
-            </a:pPr>
-            <a:r>
-              <a:rPr lang="en-US" sz="2500" u="sng">
-                <a:solidFill>
-                  <a:srgbClr val="B6D7A8"/>
-                </a:solidFill>
-                <a:hlinkClick r:id="rId3"/>
-              </a:rPr>
-              <a:t>http://placekitten.com/</a:t>
-            </a:r>
-            <a:r>
-              <a:rPr lang="en-US" sz="2500">
-                <a:solidFill>
-                  <a:srgbClr val="B6D7A8"/>
-                </a:solidFill>
-              </a:rPr>
-              <a:t>  ( имат котета )</a:t>
-            </a:r>
-          </a:p>
-          <a:p>
-            <a:pPr marL="0" marR="0" lvl="0" indent="0" algn="l" rtl="0">
-              <a:spcBef>
-                <a:spcPts val="500"/>
-              </a:spcBef>
-              <a:buClr>
-                <a:schemeClr val="lt1"/>
-              </a:buClr>
-              <a:buSzPct val="25000"/>
-              <a:buFont typeface="Arial"/>
-              <a:buNone/>
-            </a:pPr>
-            <a:r>
-              <a:rPr lang="en-US" sz="2500">
+              <a:t>Създайте таблица с цветове, както във файла </a:t>
+            </a:r>
+            <a:r>
+              <a:rPr lang="en-US" sz="2500" dirty="0" smtClean="0">
                 <a:solidFill>
                   <a:schemeClr val="lt1"/>
                 </a:solidFill>
               </a:rPr>
-              <a:t>При ховър в/у тях трябва да мяучат!</a:t>
-            </a:r>
-          </a:p>
-          <a:p>
-            <a:pPr marL="0" marR="0" lvl="0" indent="0" algn="l" rtl="0">
-              <a:spcBef>
-                <a:spcPts val="500"/>
-              </a:spcBef>
-              <a:buClr>
-                <a:schemeClr val="lt1"/>
-              </a:buClr>
-              <a:buSzPct val="25000"/>
-              <a:buFont typeface="Arial"/>
-              <a:buNone/>
-            </a:pPr>
-            <a:endParaRPr sz="2500">
+              <a:t>task1.png.</a:t>
+            </a:r>
+            <a:br>
+              <a:rPr lang="en-US" sz="2500" dirty="0" smtClean="0">
+                <a:solidFill>
+                  <a:schemeClr val="lt1"/>
+                </a:solidFill>
+              </a:rPr>
+            </a:br>
+            <a:r>
+              <a:rPr lang="en-US" sz="2500" dirty="0" smtClean="0">
+                <a:solidFill>
+                  <a:schemeClr val="lt1"/>
+                </a:solidFill>
+              </a:rPr>
+              <a:t/>
+            </a:r>
+            <a:br>
+              <a:rPr lang="en-US" sz="2500" dirty="0" smtClean="0">
+                <a:solidFill>
+                  <a:schemeClr val="lt1"/>
+                </a:solidFill>
+              </a:rPr>
+            </a:br>
+            <a:r>
+              <a:rPr lang="bg-BG" sz="2500" dirty="0" smtClean="0">
+                <a:solidFill>
+                  <a:schemeClr val="lt1"/>
+                </a:solidFill>
+              </a:rPr>
+              <a:t>Данните от таблицата трябва да се зареждат асинхронно при отваряне на страницата, посредством </a:t>
+            </a:r>
+            <a:r>
+              <a:rPr lang="en-US" sz="2500" dirty="0" smtClean="0">
+                <a:solidFill>
+                  <a:schemeClr val="lt1"/>
+                </a:solidFill>
+              </a:rPr>
+              <a:t>AJAX</a:t>
+            </a:r>
+            <a:br>
+              <a:rPr lang="en-US" sz="2500" dirty="0" smtClean="0">
+                <a:solidFill>
+                  <a:schemeClr val="lt1"/>
+                </a:solidFill>
+              </a:rPr>
+            </a:br>
+            <a:r>
+              <a:rPr lang="en-US" sz="2500" dirty="0" smtClean="0">
+                <a:solidFill>
+                  <a:schemeClr val="lt1"/>
+                </a:solidFill>
+              </a:rPr>
+              <a:t/>
+            </a:r>
+            <a:br>
+              <a:rPr lang="en-US" sz="2500" dirty="0" smtClean="0">
+                <a:solidFill>
+                  <a:schemeClr val="lt1"/>
+                </a:solidFill>
+              </a:rPr>
+            </a:br>
+            <a:r>
+              <a:rPr lang="bg-BG" sz="2500" dirty="0" smtClean="0">
+                <a:solidFill>
+                  <a:schemeClr val="lt1"/>
+                </a:solidFill>
+              </a:rPr>
+              <a:t>Използвайте файла </a:t>
+            </a:r>
+            <a:r>
+              <a:rPr lang="en-US" sz="2500" dirty="0" err="1" smtClean="0">
+                <a:solidFill>
+                  <a:schemeClr val="lt1"/>
+                </a:solidFill>
+              </a:rPr>
+              <a:t>data.json</a:t>
+            </a:r>
+            <a:r>
+              <a:rPr lang="en-US" sz="2500" dirty="0" smtClean="0">
+                <a:solidFill>
+                  <a:schemeClr val="lt1"/>
+                </a:solidFill>
+              </a:rPr>
+              <a:t/>
+            </a:r>
+            <a:br>
+              <a:rPr lang="en-US" sz="2500" dirty="0" smtClean="0">
+                <a:solidFill>
+                  <a:schemeClr val="lt1"/>
+                </a:solidFill>
+              </a:rPr>
+            </a:br>
+            <a:r>
+              <a:rPr lang="en-US" sz="2500" dirty="0" smtClean="0">
+                <a:solidFill>
+                  <a:schemeClr val="lt1"/>
+                </a:solidFill>
+              </a:rPr>
+              <a:t/>
+            </a:r>
+            <a:br>
+              <a:rPr lang="en-US" sz="2500" dirty="0" smtClean="0">
+                <a:solidFill>
+                  <a:schemeClr val="lt1"/>
+                </a:solidFill>
+              </a:rPr>
+            </a:br>
+            <a:r>
+              <a:rPr lang="en-US" sz="2500" dirty="0" smtClean="0">
+                <a:solidFill>
+                  <a:srgbClr val="00B050"/>
+                </a:solidFill>
+              </a:rPr>
+              <a:t>*</a:t>
+            </a:r>
+            <a:r>
+              <a:rPr lang="bg-BG" sz="2500" dirty="0" smtClean="0">
+                <a:solidFill>
+                  <a:srgbClr val="00B050"/>
+                </a:solidFill>
+              </a:rPr>
+              <a:t>Всеки ред трябва да има зададен </a:t>
+            </a:r>
+            <a:r>
+              <a:rPr lang="en-US" sz="2500" dirty="0" smtClean="0">
+                <a:solidFill>
+                  <a:srgbClr val="00B050"/>
+                </a:solidFill>
+              </a:rPr>
+              <a:t>background</a:t>
+            </a:r>
+            <a:r>
+              <a:rPr lang="bg-BG" sz="2500" dirty="0" smtClean="0">
+                <a:solidFill>
+                  <a:srgbClr val="00B050"/>
+                </a:solidFill>
+              </a:rPr>
+              <a:t>, отговарящ на стойността на </a:t>
+            </a:r>
+            <a:r>
+              <a:rPr lang="en-US" sz="2500" dirty="0" err="1">
+                <a:solidFill>
+                  <a:srgbClr val="00B050"/>
+                </a:solidFill>
+              </a:rPr>
+              <a:t>hexValue</a:t>
+            </a:r>
+            <a:endParaRPr lang="en-US" sz="2500" dirty="0">
               <a:solidFill>
-                <a:schemeClr val="lt1"/>
+                <a:srgbClr val="00B050"/>
               </a:solidFill>
             </a:endParaRPr>
-          </a:p>
-          <a:p>
-            <a:pPr marL="0" marR="0" lvl="0" indent="0" algn="l" rtl="0">
-              <a:spcBef>
-                <a:spcPts val="500"/>
-              </a:spcBef>
-              <a:buClr>
-                <a:schemeClr val="lt1"/>
-              </a:buClr>
-              <a:buSzPct val="25000"/>
-              <a:buFont typeface="Arial"/>
-              <a:buNone/>
-            </a:pPr>
-            <a:r>
-              <a:rPr lang="en-US" sz="2500">
-                <a:solidFill>
-                  <a:schemeClr val="lt1"/>
-                </a:solidFill>
-              </a:rPr>
-              <a:t>Тази котешка галерия да има имплементиран </a:t>
-            </a:r>
-          </a:p>
-          <a:p>
-            <a:pPr marL="0" marR="0" lvl="0" indent="0" algn="l" rtl="0">
-              <a:spcBef>
-                <a:spcPts val="500"/>
-              </a:spcBef>
-              <a:buClr>
-                <a:schemeClr val="lt1"/>
-              </a:buClr>
-              <a:buSzPct val="25000"/>
-              <a:buFont typeface="Arial"/>
-              <a:buNone/>
-            </a:pPr>
-            <a:r>
-              <a:rPr lang="en-US" sz="2500" u="sng">
-                <a:solidFill>
-                  <a:srgbClr val="B6D7A8"/>
-                </a:solidFill>
-                <a:hlinkClick r:id="rId4"/>
-              </a:rPr>
-              <a:t>http://lokeshdhakar.com/projects/lightbox2/</a:t>
-            </a:r>
-            <a:r>
-              <a:rPr lang="en-US" sz="2500">
-                <a:solidFill>
-                  <a:srgbClr val="B6D7A8"/>
-                </a:solidFill>
-              </a:rPr>
-              <a:t> , </a:t>
-            </a:r>
-            <a:r>
-              <a:rPr lang="en-US" sz="2500">
-                <a:solidFill>
-                  <a:schemeClr val="lt1"/>
-                </a:solidFill>
-              </a:rPr>
-              <a:t>или подобна библиотека за галерия.</a:t>
-            </a:r>
-          </a:p>
-          <a:p>
-            <a:pPr marL="0" marR="0" lvl="0" indent="0" algn="l" rtl="0">
-              <a:spcBef>
-                <a:spcPts val="500"/>
-              </a:spcBef>
-              <a:buClr>
-                <a:schemeClr val="lt1"/>
-              </a:buClr>
-              <a:buSzPct val="25000"/>
-              <a:buFont typeface="Arial"/>
-              <a:buNone/>
-            </a:pPr>
-            <a:endParaRPr sz="2500">
-              <a:solidFill>
-                <a:schemeClr val="lt1"/>
-              </a:solidFill>
-            </a:endParaRPr>
-          </a:p>
-          <a:p>
-            <a:pPr marL="0" marR="0" lvl="0" indent="0" algn="l" rtl="0">
-              <a:spcBef>
-                <a:spcPts val="500"/>
-              </a:spcBef>
-              <a:buClr>
-                <a:schemeClr val="lt1"/>
-              </a:buClr>
-              <a:buSzPct val="25000"/>
-              <a:buFont typeface="Arial"/>
-              <a:buNone/>
-            </a:pPr>
-            <a:r>
-              <a:rPr lang="en-US" sz="2500">
-                <a:solidFill>
-                  <a:schemeClr val="lt1"/>
-                </a:solidFill>
-              </a:rPr>
-              <a:t>Сайтът да е респонсив (да изглежда добре и на мобилни устройства).</a:t>
-            </a:r>
           </a:p>
         </p:txBody>
       </p:sp>
